--- a/day-1/sg_nacls.pptx
+++ b/day-1/sg_nacls.pptx
@@ -9,7 +9,8 @@
     <p:sldId id="257" r:id="rId3"/>
     <p:sldId id="258" r:id="rId4"/>
     <p:sldId id="259" r:id="rId5"/>
-    <p:sldId id="260" r:id="rId6"/>
+    <p:sldId id="261" r:id="rId6"/>
+    <p:sldId id="260" r:id="rId7"/>
   </p:sldIdLst>
   <p:sldSz cx="12192000" cy="6858000"/>
   <p:notesSz cx="6858000" cy="9144000"/>
@@ -108,6 +109,11 @@
       </a:defRPr>
     </a:lvl9pPr>
   </p:defaultTextStyle>
+  <p:extLst>
+    <p:ext uri="{EFAFB233-063F-42B5-8137-9DF3F51BA10A}">
+      <p15:sldGuideLst xmlns:p15="http://schemas.microsoft.com/office/powerpoint/2012/main"/>
+    </p:ext>
+  </p:extLst>
 </p:presentation>
 </file>
 
@@ -3169,7 +3175,7 @@
           <a:effectLst/>
           <a:extLst>
             <a:ext uri="{91240B29-F687-4f45-9708-019B960494DF}">
-              <a14:hiddenLine xmlns:a14="http://schemas.microsoft.com/office/drawing/2010/main" xmlns="" w="9525">
+              <a14:hiddenLine xmlns="" xmlns:a14="http://schemas.microsoft.com/office/drawing/2010/main" w="9525">
                 <a:solidFill>
                   <a:srgbClr val="000000"/>
                 </a:solidFill>
@@ -3362,7 +3368,7 @@
             <a:fld id="{08B9EBBA-996F-894A-B54A-D6246ED52CEA}" type="datetimeFigureOut">
               <a:rPr lang="en-US" dirty="0"/>
               <a:pPr/>
-              <a:t>5/18/20</a:t>
+              <a:t>6/4/20</a:t>
             </a:fld>
             <a:endParaRPr lang="en-US" dirty="0"/>
           </a:p>
@@ -3677,7 +3683,7 @@
             <a:fld id="{18C79C5D-2A6F-F04D-97DA-BEF2467B64E4}" type="datetimeFigureOut">
               <a:rPr lang="en-US" dirty="0"/>
               <a:pPr/>
-              <a:t>5/18/20</a:t>
+              <a:t>6/4/20</a:t>
             </a:fld>
             <a:endParaRPr lang="en-US" dirty="0"/>
           </a:p>
@@ -4162,7 +4168,7 @@
             <a:fld id="{8DFA1846-DA80-1C48-A609-854EA85C59AD}" type="datetimeFigureOut">
               <a:rPr lang="en-US" dirty="0"/>
               <a:pPr/>
-              <a:t>5/18/20</a:t>
+              <a:t>6/4/20</a:t>
             </a:fld>
             <a:endParaRPr lang="en-US" dirty="0"/>
           </a:p>
@@ -4528,7 +4534,7 @@
             <a:fld id="{FBF54567-0DE4-3F47-BF90-CB84690072F9}" type="datetimeFigureOut">
               <a:rPr lang="en-US" dirty="0"/>
               <a:pPr/>
-              <a:t>5/18/20</a:t>
+              <a:t>6/4/20</a:t>
             </a:fld>
             <a:endParaRPr lang="en-US" dirty="0"/>
           </a:p>
@@ -4679,7 +4685,7 @@
           <a:ln/>
           <a:extLst>
             <a:ext uri="{91240B29-F687-4f45-9708-019B960494DF}">
-              <a14:hiddenLine xmlns:a14="http://schemas.microsoft.com/office/drawing/2010/main" xmlns="" w="9525">
+              <a14:hiddenLine xmlns="" xmlns:a14="http://schemas.microsoft.com/office/drawing/2010/main" w="9525">
                 <a:solidFill>
                   <a:srgbClr val="000000"/>
                 </a:solidFill>
@@ -4798,7 +4804,7 @@
             <a:fld id="{C6C52C72-DE31-F449-A4ED-4C594FD91407}" type="datetimeFigureOut">
               <a:rPr lang="en-US" dirty="0"/>
               <a:pPr/>
-              <a:t>5/18/20</a:t>
+              <a:t>6/4/20</a:t>
             </a:fld>
             <a:endParaRPr lang="en-US" dirty="0"/>
           </a:p>
@@ -4951,7 +4957,7 @@
           <a:ln/>
           <a:extLst>
             <a:ext uri="{91240B29-F687-4f45-9708-019B960494DF}">
-              <a14:hiddenLine xmlns:a14="http://schemas.microsoft.com/office/drawing/2010/main" xmlns="" w="9525">
+              <a14:hiddenLine xmlns="" xmlns:a14="http://schemas.microsoft.com/office/drawing/2010/main" w="9525">
                 <a:solidFill>
                   <a:srgbClr val="000000"/>
                 </a:solidFill>
@@ -5080,7 +5086,7 @@
             <a:fld id="{ED62726E-379B-B349-9EED-81ED093FA806}" type="datetimeFigureOut">
               <a:rPr lang="en-US" dirty="0"/>
               <a:pPr/>
-              <a:t>5/18/20</a:t>
+              <a:t>6/4/20</a:t>
             </a:fld>
             <a:endParaRPr lang="en-US" dirty="0"/>
           </a:p>
@@ -5231,7 +5237,7 @@
           <a:ln/>
           <a:extLst>
             <a:ext uri="{91240B29-F687-4f45-9708-019B960494DF}">
-              <a14:hiddenLine xmlns:a14="http://schemas.microsoft.com/office/drawing/2010/main" xmlns="" w="9525">
+              <a14:hiddenLine xmlns="" xmlns:a14="http://schemas.microsoft.com/office/drawing/2010/main" w="9525">
                 <a:solidFill>
                   <a:srgbClr val="000000"/>
                 </a:solidFill>
@@ -5360,7 +5366,7 @@
             <a:fld id="{9B3A1323-8D79-1946-B0D7-40001CF92E9D}" type="datetimeFigureOut">
               <a:rPr lang="en-US" dirty="0"/>
               <a:pPr/>
-              <a:t>5/18/20</a:t>
+              <a:t>6/4/20</a:t>
             </a:fld>
             <a:endParaRPr lang="en-US" dirty="0"/>
           </a:p>
@@ -5700,7 +5706,7 @@
             <a:fld id="{8DFA1846-DA80-1C48-A609-854EA85C59AD}" type="datetimeFigureOut">
               <a:rPr lang="en-US" dirty="0"/>
               <a:pPr/>
-              <a:t>5/18/20</a:t>
+              <a:t>6/4/20</a:t>
             </a:fld>
             <a:endParaRPr lang="en-US" dirty="0"/>
           </a:p>
@@ -5851,7 +5857,7 @@
           <a:ln/>
           <a:extLst>
             <a:ext uri="{91240B29-F687-4f45-9708-019B960494DF}">
-              <a14:hiddenLine xmlns:a14="http://schemas.microsoft.com/office/drawing/2010/main" xmlns="" w="9525">
+              <a14:hiddenLine xmlns="" xmlns:a14="http://schemas.microsoft.com/office/drawing/2010/main" w="9525">
                 <a:solidFill>
                   <a:srgbClr val="000000"/>
                 </a:solidFill>
@@ -6036,7 +6042,7 @@
             <a:fld id="{57302355-E14B-8545-A8F8-0FE83CC9D524}" type="datetimeFigureOut">
               <a:rPr lang="en-US" dirty="0"/>
               <a:pPr/>
-              <a:t>5/18/20</a:t>
+              <a:t>6/4/20</a:t>
             </a:fld>
             <a:endParaRPr lang="en-US" dirty="0"/>
           </a:p>
@@ -6187,7 +6193,7 @@
           <a:ln/>
           <a:extLst>
             <a:ext uri="{91240B29-F687-4f45-9708-019B960494DF}">
-              <a14:hiddenLine xmlns:a14="http://schemas.microsoft.com/office/drawing/2010/main" xmlns="" w="9525">
+              <a14:hiddenLine xmlns="" xmlns:a14="http://schemas.microsoft.com/office/drawing/2010/main" w="9525">
                 <a:solidFill>
                   <a:srgbClr val="000000"/>
                 </a:solidFill>
@@ -6510,7 +6516,7 @@
             <a:fld id="{02640F58-564D-2B4F-AE67-E407BA4FCF45}" type="datetimeFigureOut">
               <a:rPr lang="en-US" dirty="0"/>
               <a:pPr/>
-              <a:t>5/18/20</a:t>
+              <a:t>6/4/20</a:t>
             </a:fld>
             <a:endParaRPr lang="en-US" dirty="0"/>
           </a:p>
@@ -6661,7 +6667,7 @@
           <a:ln/>
           <a:extLst>
             <a:ext uri="{91240B29-F687-4f45-9708-019B960494DF}">
-              <a14:hiddenLine xmlns:a14="http://schemas.microsoft.com/office/drawing/2010/main" xmlns="" w="9525">
+              <a14:hiddenLine xmlns="" xmlns:a14="http://schemas.microsoft.com/office/drawing/2010/main" w="9525">
                 <a:solidFill>
                   <a:srgbClr val="000000"/>
                 </a:solidFill>
@@ -6728,7 +6734,7 @@
             <a:fld id="{F13A34C8-038E-2045-AF43-DF7DBB8E0E9E}" type="datetimeFigureOut">
               <a:rPr lang="en-US" dirty="0"/>
               <a:pPr/>
-              <a:t>5/18/20</a:t>
+              <a:t>6/4/20</a:t>
             </a:fld>
             <a:endParaRPr lang="en-US" dirty="0"/>
           </a:p>
@@ -6820,7 +6826,7 @@
             <a:fld id="{8818C68F-D26B-8F47-958C-23B49CF8A634}" type="datetimeFigureOut">
               <a:rPr lang="en-US" dirty="0"/>
               <a:pPr/>
-              <a:t>5/18/20</a:t>
+              <a:t>6/4/20</a:t>
             </a:fld>
             <a:endParaRPr lang="en-US" dirty="0"/>
           </a:p>
@@ -7084,7 +7090,7 @@
           <a:ln/>
           <a:extLst>
             <a:ext uri="{91240B29-F687-4f45-9708-019B960494DF}">
-              <a14:hiddenLine xmlns:a14="http://schemas.microsoft.com/office/drawing/2010/main" xmlns="" w="9525">
+              <a14:hiddenLine xmlns="" xmlns:a14="http://schemas.microsoft.com/office/drawing/2010/main" w="9525">
                 <a:solidFill>
                   <a:srgbClr val="000000"/>
                 </a:solidFill>
@@ -7284,7 +7290,7 @@
             <a:fld id="{D0DF5E60-9974-AC48-9591-99C2BB44B7CF}" type="datetimeFigureOut">
               <a:rPr lang="en-US" dirty="0"/>
               <a:pPr/>
-              <a:t>5/18/20</a:t>
+              <a:t>6/4/20</a:t>
             </a:fld>
             <a:endParaRPr lang="en-US" dirty="0"/>
           </a:p>
@@ -7594,7 +7600,7 @@
             <a:fld id="{18C79C5D-2A6F-F04D-97DA-BEF2467B64E4}" type="datetimeFigureOut">
               <a:rPr lang="en-US" dirty="0"/>
               <a:pPr/>
-              <a:t>5/18/20</a:t>
+              <a:t>6/4/20</a:t>
             </a:fld>
             <a:endParaRPr lang="en-US" dirty="0"/>
           </a:p>
@@ -7861,7 +7867,7 @@
             <a:fld id="{09B482E8-6E0E-1B4F-B1FD-C69DB9E858D9}" type="datetimeFigureOut">
               <a:rPr lang="en-US" dirty="0"/>
               <a:pPr/>
-              <a:t>5/18/20</a:t>
+              <a:t>6/4/20</a:t>
             </a:fld>
             <a:endParaRPr lang="en-US" dirty="0"/>
           </a:p>
@@ -8975,6 +8981,510 @@
       </p:grpSpPr>
       <p:sp>
         <p:nvSpPr>
+          <p:cNvPr id="9" name="Freeform 6">
+            <a:extLst>
+              <a:ext uri="{FF2B5EF4-FFF2-40B4-BE49-F238E27FC236}">
+                <a16:creationId xmlns:a16="http://schemas.microsoft.com/office/drawing/2014/main" id="{133F8CB7-795C-4272-9073-64D8CF97F220}"/>
+              </a:ext>
+              <a:ext uri="{C183D7F6-B498-43B3-948B-1728B52AA6E4}">
+                <adec:decorative xmlns:adec="http://schemas.microsoft.com/office/drawing/2017/decorative" val="1"/>
+              </a:ext>
+            </a:extLst>
+          </p:cNvPr>
+          <p:cNvSpPr>
+            <a:spLocks noGrp="1" noRot="1" noChangeAspect="1" noMove="1" noResize="1" noEditPoints="1" noAdjustHandles="1" noChangeArrowheads="1" noChangeShapeType="1" noTextEdit="1"/>
+          </p:cNvSpPr>
+          <p:nvPr>
+            <p:extLst>
+              <p:ext uri="{386F3935-93C4-4BCD-93E2-E3B085C9AB24}">
+                <p16:designElem xmlns:p16="http://schemas.microsoft.com/office/powerpoint/2015/main" val="1"/>
+              </p:ext>
+            </p:extLst>
+          </p:nvPr>
+        </p:nvSpPr>
+        <p:spPr bwMode="auto">
+          <a:xfrm>
+            <a:off x="0" y="-3175"/>
+            <a:ext cx="12192000" cy="5203825"/>
+          </a:xfrm>
+          <a:custGeom>
+            <a:avLst/>
+            <a:gdLst/>
+            <a:ahLst/>
+            <a:cxnLst/>
+            <a:rect l="0" t="0" r="r" b="b"/>
+            <a:pathLst>
+              <a:path w="5760" h="3278">
+                <a:moveTo>
+                  <a:pt x="5760" y="0"/>
+                </a:moveTo>
+                <a:lnTo>
+                  <a:pt x="0" y="0"/>
+                </a:lnTo>
+                <a:lnTo>
+                  <a:pt x="0" y="3090"/>
+                </a:lnTo>
+                <a:lnTo>
+                  <a:pt x="943" y="3090"/>
+                </a:lnTo>
+                <a:lnTo>
+                  <a:pt x="1123" y="3270"/>
+                </a:lnTo>
+                <a:lnTo>
+                  <a:pt x="1123" y="3270"/>
+                </a:lnTo>
+                <a:lnTo>
+                  <a:pt x="1127" y="3272"/>
+                </a:lnTo>
+                <a:lnTo>
+                  <a:pt x="1133" y="3275"/>
+                </a:lnTo>
+                <a:lnTo>
+                  <a:pt x="1139" y="3278"/>
+                </a:lnTo>
+                <a:lnTo>
+                  <a:pt x="1144" y="3278"/>
+                </a:lnTo>
+                <a:lnTo>
+                  <a:pt x="1150" y="3278"/>
+                </a:lnTo>
+                <a:lnTo>
+                  <a:pt x="1155" y="3275"/>
+                </a:lnTo>
+                <a:lnTo>
+                  <a:pt x="1161" y="3272"/>
+                </a:lnTo>
+                <a:lnTo>
+                  <a:pt x="1165" y="3270"/>
+                </a:lnTo>
+                <a:lnTo>
+                  <a:pt x="1345" y="3090"/>
+                </a:lnTo>
+                <a:lnTo>
+                  <a:pt x="5760" y="3090"/>
+                </a:lnTo>
+                <a:lnTo>
+                  <a:pt x="5760" y="0"/>
+                </a:lnTo>
+                <a:close/>
+              </a:path>
+            </a:pathLst>
+          </a:custGeom>
+          <a:ln/>
+          <a:effectLst/>
+          <a:extLst>
+            <a:ext uri="{91240B29-F687-4f45-9708-019B960494DF}">
+              <a14:hiddenLine xmlns="" xmlns:a16="http://schemas.microsoft.com/office/drawing/2014/main" xmlns:p14="http://schemas.microsoft.com/office/powerpoint/2010/main" xmlns:a14="http://schemas.microsoft.com/office/drawing/2010/main" w="9525">
+                <a:solidFill>
+                  <a:srgbClr val="000000"/>
+                </a:solidFill>
+                <a:round/>
+                <a:headEnd/>
+                <a:tailEnd/>
+              </a14:hiddenLine>
+            </a:ext>
+          </a:extLst>
+        </p:spPr>
+        <p:style>
+          <a:lnRef idx="1">
+            <a:schemeClr val="accent1"/>
+          </a:lnRef>
+          <a:fillRef idx="3">
+            <a:schemeClr val="accent1"/>
+          </a:fillRef>
+          <a:effectRef idx="2">
+            <a:schemeClr val="accent1"/>
+          </a:effectRef>
+          <a:fontRef idx="minor">
+            <a:schemeClr val="lt1"/>
+          </a:fontRef>
+        </p:style>
+      </p:sp>
+      <p:sp>
+        <p:nvSpPr>
+          <p:cNvPr id="11" name="Rectangle 10">
+            <a:extLst>
+              <a:ext uri="{FF2B5EF4-FFF2-40B4-BE49-F238E27FC236}">
+                <a16:creationId xmlns:a16="http://schemas.microsoft.com/office/drawing/2014/main" id="{B7743172-17A8-4FA4-8434-B813E03B7665}"/>
+              </a:ext>
+              <a:ext uri="{C183D7F6-B498-43B3-948B-1728B52AA6E4}">
+                <adec:decorative xmlns:adec="http://schemas.microsoft.com/office/drawing/2017/decorative" val="1"/>
+              </a:ext>
+            </a:extLst>
+          </p:cNvPr>
+          <p:cNvSpPr>
+            <a:spLocks noGrp="1" noRot="1" noChangeAspect="1" noMove="1" noResize="1" noEditPoints="1" noAdjustHandles="1" noChangeArrowheads="1" noChangeShapeType="1" noTextEdit="1"/>
+          </p:cNvSpPr>
+          <p:nvPr>
+            <p:extLst>
+              <p:ext uri="{386F3935-93C4-4BCD-93E2-E3B085C9AB24}">
+                <p16:designElem xmlns:p16="http://schemas.microsoft.com/office/powerpoint/2015/main" val="1"/>
+              </p:ext>
+            </p:extLst>
+          </p:nvPr>
+        </p:nvSpPr>
+        <p:spPr>
+          <a:xfrm>
+            <a:off x="0" y="0"/>
+            <a:ext cx="12192000" cy="6858000"/>
+          </a:xfrm>
+          <a:prstGeom prst="rect">
+            <a:avLst/>
+          </a:prstGeom>
+          <a:solidFill>
+            <a:schemeClr val="bg1"/>
+          </a:solidFill>
+          <a:ln>
+            <a:noFill/>
+          </a:ln>
+        </p:spPr>
+        <p:style>
+          <a:lnRef idx="2">
+            <a:schemeClr val="accent1">
+              <a:shade val="50000"/>
+            </a:schemeClr>
+          </a:lnRef>
+          <a:fillRef idx="1">
+            <a:schemeClr val="accent1"/>
+          </a:fillRef>
+          <a:effectRef idx="0">
+            <a:schemeClr val="accent1"/>
+          </a:effectRef>
+          <a:fontRef idx="minor">
+            <a:schemeClr val="lt1"/>
+          </a:fontRef>
+        </p:style>
+        <p:txBody>
+          <a:bodyPr rtlCol="0" anchor="ctr"/>
+          <a:lstStyle/>
+          <a:p>
+            <a:pPr algn="ctr"/>
+            <a:endParaRPr lang="en-US"/>
+          </a:p>
+        </p:txBody>
+      </p:sp>
+      <p:sp>
+        <p:nvSpPr>
+          <p:cNvPr id="13" name="Freeform 23">
+            <a:extLst>
+              <a:ext uri="{FF2B5EF4-FFF2-40B4-BE49-F238E27FC236}">
+                <a16:creationId xmlns:a16="http://schemas.microsoft.com/office/drawing/2014/main" id="{4CE1233C-FD2F-489E-BFDE-086F5FED6491}"/>
+              </a:ext>
+              <a:ext uri="{C183D7F6-B498-43B3-948B-1728B52AA6E4}">
+                <adec:decorative xmlns:adec="http://schemas.microsoft.com/office/drawing/2017/decorative" val="1"/>
+              </a:ext>
+            </a:extLst>
+          </p:cNvPr>
+          <p:cNvSpPr>
+            <a:spLocks noGrp="1" noRot="1" noChangeAspect="1" noMove="1" noResize="1" noEditPoints="1" noAdjustHandles="1" noChangeArrowheads="1" noChangeShapeType="1" noTextEdit="1"/>
+          </p:cNvSpPr>
+          <p:nvPr>
+            <p:extLst>
+              <p:ext uri="{386F3935-93C4-4BCD-93E2-E3B085C9AB24}">
+                <p16:designElem xmlns:p16="http://schemas.microsoft.com/office/powerpoint/2015/main" val="1"/>
+              </p:ext>
+            </p:extLst>
+          </p:nvPr>
+        </p:nvSpPr>
+        <p:spPr bwMode="white">
+          <a:xfrm>
+            <a:off x="0" y="0"/>
+            <a:ext cx="4637005" cy="6858000"/>
+          </a:xfrm>
+          <a:custGeom>
+            <a:avLst/>
+            <a:gdLst>
+              <a:gd name="connsiteX0" fmla="*/ 0 w 4637005"/>
+              <a:gd name="connsiteY0" fmla="*/ 0 h 6858000"/>
+              <a:gd name="connsiteX1" fmla="*/ 4637005 w 4637005"/>
+              <a:gd name="connsiteY1" fmla="*/ 0 h 6858000"/>
+              <a:gd name="connsiteX2" fmla="*/ 4637005 w 4637005"/>
+              <a:gd name="connsiteY2" fmla="*/ 1900238 h 6858000"/>
+              <a:gd name="connsiteX3" fmla="*/ 4266589 w 4637005"/>
+              <a:gd name="connsiteY3" fmla="*/ 2178050 h 6858000"/>
+              <a:gd name="connsiteX4" fmla="*/ 4262355 w 4637005"/>
+              <a:gd name="connsiteY4" fmla="*/ 2184400 h 6858000"/>
+              <a:gd name="connsiteX5" fmla="*/ 4256005 w 4637005"/>
+              <a:gd name="connsiteY5" fmla="*/ 2193925 h 6858000"/>
+              <a:gd name="connsiteX6" fmla="*/ 4249655 w 4637005"/>
+              <a:gd name="connsiteY6" fmla="*/ 2201863 h 6858000"/>
+              <a:gd name="connsiteX7" fmla="*/ 4249655 w 4637005"/>
+              <a:gd name="connsiteY7" fmla="*/ 2211388 h 6858000"/>
+              <a:gd name="connsiteX8" fmla="*/ 4249655 w 4637005"/>
+              <a:gd name="connsiteY8" fmla="*/ 2220913 h 6858000"/>
+              <a:gd name="connsiteX9" fmla="*/ 4256005 w 4637005"/>
+              <a:gd name="connsiteY9" fmla="*/ 2228850 h 6858000"/>
+              <a:gd name="connsiteX10" fmla="*/ 4262355 w 4637005"/>
+              <a:gd name="connsiteY10" fmla="*/ 2238375 h 6858000"/>
+              <a:gd name="connsiteX11" fmla="*/ 4266589 w 4637005"/>
+              <a:gd name="connsiteY11" fmla="*/ 2244725 h 6858000"/>
+              <a:gd name="connsiteX12" fmla="*/ 4637005 w 4637005"/>
+              <a:gd name="connsiteY12" fmla="*/ 2522538 h 6858000"/>
+              <a:gd name="connsiteX13" fmla="*/ 4637005 w 4637005"/>
+              <a:gd name="connsiteY13" fmla="*/ 6858000 h 6858000"/>
+              <a:gd name="connsiteX14" fmla="*/ 0 w 4637005"/>
+              <a:gd name="connsiteY14" fmla="*/ 6858000 h 6858000"/>
+            </a:gdLst>
+            <a:ahLst/>
+            <a:cxnLst>
+              <a:cxn ang="0">
+                <a:pos x="connsiteX0" y="connsiteY0"/>
+              </a:cxn>
+              <a:cxn ang="0">
+                <a:pos x="connsiteX1" y="connsiteY1"/>
+              </a:cxn>
+              <a:cxn ang="0">
+                <a:pos x="connsiteX2" y="connsiteY2"/>
+              </a:cxn>
+              <a:cxn ang="0">
+                <a:pos x="connsiteX3" y="connsiteY3"/>
+              </a:cxn>
+              <a:cxn ang="0">
+                <a:pos x="connsiteX4" y="connsiteY4"/>
+              </a:cxn>
+              <a:cxn ang="0">
+                <a:pos x="connsiteX5" y="connsiteY5"/>
+              </a:cxn>
+              <a:cxn ang="0">
+                <a:pos x="connsiteX6" y="connsiteY6"/>
+              </a:cxn>
+              <a:cxn ang="0">
+                <a:pos x="connsiteX7" y="connsiteY7"/>
+              </a:cxn>
+              <a:cxn ang="0">
+                <a:pos x="connsiteX8" y="connsiteY8"/>
+              </a:cxn>
+              <a:cxn ang="0">
+                <a:pos x="connsiteX9" y="connsiteY9"/>
+              </a:cxn>
+              <a:cxn ang="0">
+                <a:pos x="connsiteX10" y="connsiteY10"/>
+              </a:cxn>
+              <a:cxn ang="0">
+                <a:pos x="connsiteX11" y="connsiteY11"/>
+              </a:cxn>
+              <a:cxn ang="0">
+                <a:pos x="connsiteX12" y="connsiteY12"/>
+              </a:cxn>
+              <a:cxn ang="0">
+                <a:pos x="connsiteX13" y="connsiteY13"/>
+              </a:cxn>
+              <a:cxn ang="0">
+                <a:pos x="connsiteX14" y="connsiteY14"/>
+              </a:cxn>
+            </a:cxnLst>
+            <a:rect l="l" t="t" r="r" b="b"/>
+            <a:pathLst>
+              <a:path w="4637005" h="6858000">
+                <a:moveTo>
+                  <a:pt x="0" y="0"/>
+                </a:moveTo>
+                <a:lnTo>
+                  <a:pt x="4637005" y="0"/>
+                </a:lnTo>
+                <a:lnTo>
+                  <a:pt x="4637005" y="1900238"/>
+                </a:lnTo>
+                <a:lnTo>
+                  <a:pt x="4266589" y="2178050"/>
+                </a:lnTo>
+                <a:lnTo>
+                  <a:pt x="4262355" y="2184400"/>
+                </a:lnTo>
+                <a:lnTo>
+                  <a:pt x="4256005" y="2193925"/>
+                </a:lnTo>
+                <a:lnTo>
+                  <a:pt x="4249655" y="2201863"/>
+                </a:lnTo>
+                <a:lnTo>
+                  <a:pt x="4249655" y="2211388"/>
+                </a:lnTo>
+                <a:lnTo>
+                  <a:pt x="4249655" y="2220913"/>
+                </a:lnTo>
+                <a:lnTo>
+                  <a:pt x="4256005" y="2228850"/>
+                </a:lnTo>
+                <a:lnTo>
+                  <a:pt x="4262355" y="2238375"/>
+                </a:lnTo>
+                <a:lnTo>
+                  <a:pt x="4266589" y="2244725"/>
+                </a:lnTo>
+                <a:lnTo>
+                  <a:pt x="4637005" y="2522538"/>
+                </a:lnTo>
+                <a:lnTo>
+                  <a:pt x="4637005" y="6858000"/>
+                </a:lnTo>
+                <a:lnTo>
+                  <a:pt x="0" y="6858000"/>
+                </a:lnTo>
+                <a:close/>
+              </a:path>
+            </a:pathLst>
+          </a:custGeom>
+          <a:blipFill>
+            <a:blip r:embed="rId2">
+              <a:duotone>
+                <a:schemeClr val="accent1">
+                  <a:tint val="98000"/>
+                  <a:lumMod val="102000"/>
+                </a:schemeClr>
+                <a:schemeClr val="accent1">
+                  <a:shade val="98000"/>
+                  <a:lumMod val="98000"/>
+                </a:schemeClr>
+              </a:duotone>
+            </a:blip>
+            <a:tile tx="0" ty="0" sx="100000" sy="100000" flip="none" algn="tl"/>
+          </a:blipFill>
+          <a:ln>
+            <a:headEnd/>
+            <a:tailEnd/>
+          </a:ln>
+        </p:spPr>
+        <p:style>
+          <a:lnRef idx="1">
+            <a:schemeClr val="accent1"/>
+          </a:lnRef>
+          <a:fillRef idx="3">
+            <a:schemeClr val="accent1"/>
+          </a:fillRef>
+          <a:effectRef idx="2">
+            <a:schemeClr val="accent1"/>
+          </a:effectRef>
+          <a:fontRef idx="minor">
+            <a:schemeClr val="lt1"/>
+          </a:fontRef>
+        </p:style>
+        <p:txBody>
+          <a:bodyPr wrap="square" rtlCol="0" anchor="ctr">
+            <a:noAutofit/>
+          </a:bodyPr>
+          <a:lstStyle/>
+          <a:p>
+            <a:pPr algn="ctr"/>
+            <a:endParaRPr lang="en-US"/>
+          </a:p>
+        </p:txBody>
+      </p:sp>
+      <p:sp>
+        <p:nvSpPr>
+          <p:cNvPr id="2" name="Title 1">
+            <a:extLst>
+              <a:ext uri="{FF2B5EF4-FFF2-40B4-BE49-F238E27FC236}">
+                <a16:creationId xmlns:a16="http://schemas.microsoft.com/office/drawing/2014/main" id="{0DF45324-B90F-6740-9D8B-2F6D5F4E19CE}"/>
+              </a:ext>
+            </a:extLst>
+          </p:cNvPr>
+          <p:cNvSpPr>
+            <a:spLocks noGrp="1"/>
+          </p:cNvSpPr>
+          <p:nvPr>
+            <p:ph type="title"/>
+          </p:nvPr>
+        </p:nvSpPr>
+        <p:spPr>
+          <a:xfrm>
+            <a:off x="451514" y="1800225"/>
+            <a:ext cx="3444211" cy="4241136"/>
+          </a:xfrm>
+        </p:spPr>
+        <p:txBody>
+          <a:bodyPr vert="horz" lIns="91440" tIns="45720" rIns="91440" bIns="45720" rtlCol="0" anchor="t">
+            <a:normAutofit/>
+          </a:bodyPr>
+          <a:lstStyle/>
+          <a:p>
+            <a:r>
+              <a:rPr lang="en-US" sz="4400"/>
+              <a:t>NACL example</a:t>
+            </a:r>
+          </a:p>
+        </p:txBody>
+      </p:sp>
+      <p:pic>
+        <p:nvPicPr>
+          <p:cNvPr id="4" name="Content Placeholder 3">
+            <a:extLst>
+              <a:ext uri="{FF2B5EF4-FFF2-40B4-BE49-F238E27FC236}">
+                <a16:creationId xmlns:a16="http://schemas.microsoft.com/office/drawing/2014/main" id="{174A9C1B-FFB5-D243-9FC2-A2FBB52EFD13}"/>
+              </a:ext>
+            </a:extLst>
+          </p:cNvPr>
+          <p:cNvPicPr>
+            <a:picLocks noGrp="1" noChangeAspect="1"/>
+          </p:cNvPicPr>
+          <p:nvPr>
+            <p:ph idx="1"/>
+          </p:nvPr>
+        </p:nvPicPr>
+        <p:blipFill>
+          <a:blip r:embed="rId3"/>
+          <a:stretch>
+            <a:fillRect/>
+          </a:stretch>
+        </p:blipFill>
+        <p:spPr>
+          <a:xfrm>
+            <a:off x="5280472" y="1524676"/>
+            <a:ext cx="6268062" cy="3635475"/>
+          </a:xfrm>
+          <a:prstGeom prst="roundRect">
+            <a:avLst>
+              <a:gd name="adj" fmla="val 3876"/>
+            </a:avLst>
+          </a:prstGeom>
+          <a:ln>
+            <a:solidFill>
+              <a:schemeClr val="accent1"/>
+            </a:solidFill>
+          </a:ln>
+          <a:effectLst/>
+        </p:spPr>
+      </p:pic>
+    </p:spTree>
+    <p:extLst>
+      <p:ext uri="{BB962C8B-B14F-4D97-AF65-F5344CB8AC3E}">
+        <p14:creationId xmlns:p14="http://schemas.microsoft.com/office/powerpoint/2010/main" val="1868518387"/>
+      </p:ext>
+    </p:extLst>
+  </p:cSld>
+  <p:clrMapOvr>
+    <a:overrideClrMapping bg1="lt1" tx1="dk1" bg2="lt2" tx2="dk2" accent1="accent1" accent2="accent2" accent3="accent3" accent4="accent4" accent5="accent5" accent6="accent6" hlink="hlink" folHlink="folHlink"/>
+  </p:clrMapOvr>
+</p:sld>
+</file>
+
+<file path=ppt/slides/slide6.xml><?xml version="1.0" encoding="utf-8"?>
+<p:sld xmlns:a="http://schemas.openxmlformats.org/drawingml/2006/main" xmlns:r="http://schemas.openxmlformats.org/officeDocument/2006/relationships" xmlns:p="http://schemas.openxmlformats.org/presentationml/2006/main">
+  <p:cSld>
+    <p:bg>
+      <p:bgPr>
+        <a:solidFill>
+          <a:schemeClr val="bg1"/>
+        </a:solidFill>
+        <a:effectLst/>
+      </p:bgPr>
+    </p:bg>
+    <p:spTree>
+      <p:nvGrpSpPr>
+        <p:cNvPr id="1" name=""/>
+        <p:cNvGrpSpPr/>
+        <p:nvPr/>
+      </p:nvGrpSpPr>
+      <p:grpSpPr>
+        <a:xfrm>
+          <a:off x="0" y="0"/>
+          <a:ext cx="0" cy="0"/>
+          <a:chOff x="0" y="0"/>
+          <a:chExt cx="0" cy="0"/>
+        </a:xfrm>
+      </p:grpSpPr>
+      <p:sp>
+        <p:nvSpPr>
           <p:cNvPr id="12" name="Rectangle 11">
             <a:extLst>
               <a:ext uri="{FF2B5EF4-FFF2-40B4-BE49-F238E27FC236}">
@@ -9333,6 +9843,22 @@
               </a:rPr>
               <a:t>Webservers</a:t>
             </a:r>
+          </a:p>
+          <a:p>
+            <a:pPr lvl="1"/>
+            <a:r>
+              <a:rPr lang="en-US">
+                <a:solidFill>
+                  <a:srgbClr val="FFFFFF"/>
+                </a:solidFill>
+              </a:rPr>
+              <a:t>EC2</a:t>
+            </a:r>
+            <a:endParaRPr lang="en-US" dirty="0">
+              <a:solidFill>
+                <a:srgbClr val="FFFFFF"/>
+              </a:solidFill>
+            </a:endParaRPr>
           </a:p>
           <a:p>
             <a:pPr lvl="1"/>

--- a/day-1/sg_nacls.pptx
+++ b/day-1/sg_nacls.pptx
@@ -8445,7 +8445,9 @@
         </p:nvSpPr>
         <p:spPr/>
         <p:txBody>
-          <a:bodyPr anchor="t"/>
+          <a:bodyPr anchor="t">
+            <a:normAutofit lnSpcReduction="10000"/>
+          </a:bodyPr>
           <a:lstStyle/>
           <a:p>
             <a:pPr marL="0" indent="0">
@@ -8486,6 +8488,18 @@
             <a:r>
               <a:rPr lang="en-US" dirty="0"/>
               <a:t>Stateless – NACL’s require both INBOUND and OUTBOUND rules</a:t>
+            </a:r>
+          </a:p>
+          <a:p>
+            <a:r>
+              <a:rPr lang="en-US" dirty="0"/>
+              <a:t>Good for controlling OUTBOUND traffic from a locked down subnet i.e. controlling what a server can access</a:t>
+            </a:r>
+          </a:p>
+          <a:p>
+            <a:r>
+              <a:rPr lang="en-US" dirty="0"/>
+              <a:t>Defaults to all ALLOW</a:t>
             </a:r>
           </a:p>
         </p:txBody>
@@ -8508,7 +8522,9 @@
         </p:nvSpPr>
         <p:spPr/>
         <p:txBody>
-          <a:bodyPr anchor="t"/>
+          <a:bodyPr anchor="t">
+            <a:normAutofit lnSpcReduction="10000"/>
+          </a:bodyPr>
           <a:lstStyle/>
           <a:p>
             <a:pPr marL="0" indent="0">
@@ -8536,7 +8552,7 @@
             </a:r>
             <a:r>
               <a:rPr lang="en-US" dirty="0"/>
-              <a:t> you can associate an SG for an EC2</a:t>
+              <a:t> you can associate an SG for an EC2 or a Load Balancer</a:t>
             </a:r>
           </a:p>
           <a:p>
@@ -9830,29 +9846,73 @@
                   <a:srgbClr val="FFFFFF"/>
                 </a:solidFill>
               </a:rPr>
-              <a:t>SSM Agent IAM Role</a:t>
-            </a:r>
-          </a:p>
-          <a:p>
-            <a:pPr lvl="1"/>
+              <a:t>Webservers</a:t>
+            </a:r>
+          </a:p>
+          <a:p>
+            <a:pPr lvl="2"/>
             <a:r>
               <a:rPr lang="en-US" dirty="0">
                 <a:solidFill>
                   <a:srgbClr val="FFFFFF"/>
                 </a:solidFill>
               </a:rPr>
-              <a:t>Webservers</a:t>
+              <a:t>Port 80</a:t>
+            </a:r>
+          </a:p>
+          <a:p>
+            <a:pPr lvl="2"/>
+            <a:r>
+              <a:rPr lang="en-US" dirty="0">
+                <a:solidFill>
+                  <a:srgbClr val="FFFFFF"/>
+                </a:solidFill>
+              </a:rPr>
+              <a:t>ICMP</a:t>
             </a:r>
           </a:p>
           <a:p>
             <a:pPr lvl="1"/>
+            <a:r>
+              <a:rPr lang="en-US" dirty="0">
+                <a:solidFill>
+                  <a:srgbClr val="FFFFFF"/>
+                </a:solidFill>
+              </a:rPr>
+              <a:t>Application Load Balancer</a:t>
+            </a:r>
+          </a:p>
+          <a:p>
+            <a:pPr lvl="2"/>
+            <a:r>
+              <a:rPr lang="en-US" dirty="0">
+                <a:solidFill>
+                  <a:srgbClr val="FFFFFF"/>
+                </a:solidFill>
+              </a:rPr>
+              <a:t>HTTP</a:t>
+            </a:r>
+          </a:p>
+          <a:p>
+            <a:pPr lvl="2"/>
+            <a:r>
+              <a:rPr lang="en-US" dirty="0">
+                <a:solidFill>
+                  <a:srgbClr val="FFFFFF"/>
+                </a:solidFill>
+              </a:rPr>
+              <a:t>HTTPS</a:t>
+            </a:r>
+          </a:p>
+          <a:p>
+            <a:pPr lvl="2"/>
             <a:r>
               <a:rPr lang="en-US">
                 <a:solidFill>
                   <a:srgbClr val="FFFFFF"/>
                 </a:solidFill>
               </a:rPr>
-              <a:t>EC2</a:t>
+              <a:t>ICMP</a:t>
             </a:r>
             <a:endParaRPr lang="en-US" dirty="0">
               <a:solidFill>
